--- a/test3.pptx
+++ b/test3.pptx
@@ -5,10 +5,10 @@
     <p:sldMasterId id="2147483648" r:id="rId1"/>
   </p:sldMasterIdLst>
   <p:sldIdLst>
-    <p:sldId id="256" r:id="rId2"/>
-    <p:sldId id="257" r:id="rId3"/>
-    <p:sldId id="258" r:id="rId4"/>
-    <p:sldId id="259" r:id="rId5"/>
+    <p:sldId id="256" r:id="rId7"/>
+    <p:sldId id="257" r:id="rId8"/>
+    <p:sldId id="258" r:id="rId9"/>
+    <p:sldId id="259" r:id="rId10"/>
   </p:sldIdLst>
   <p:sldSz cx="9144000" cy="6858000" type="screen4x3"/>
   <p:notesSz cx="6858000" cy="9144000"/>
@@ -107,22 +107,6 @@
       </a:defRPr>
     </a:lvl9pPr>
   </p:defaultTextStyle>
-  <p:extLst>
-    <p:ext uri="{EFAFB233-063F-42B5-8137-9DF3F51BA10A}">
-      <p15:sldGuideLst xmlns:p15="http://schemas.microsoft.com/office/powerpoint/2012/main">
-        <p15:guide id="1" orient="horz" pos="2160">
-          <p15:clr>
-            <a:srgbClr val="A4A3A4"/>
-          </p15:clr>
-        </p15:guide>
-        <p15:guide id="2" pos="2880">
-          <p15:clr>
-            <a:srgbClr val="A4A3A4"/>
-          </p15:clr>
-        </p15:guide>
-      </p15:sldGuideLst>
-    </p:ext>
-  </p:extLst>
 </p:presentation>
 </file>
 
@@ -307,7 +291,7 @@
           <a:p>
             <a:fld id="{5BCAD085-E8A6-8845-BD4E-CB4CCA059FC4}" type="datetimeFigureOut">
               <a:rPr lang="en-US" smtClean="0"/>
-              <a:t>5/26/18</a:t>
+              <a:t>1/27/13</a:t>
             </a:fld>
             <a:endParaRPr lang="en-US"/>
           </a:p>
@@ -477,7 +461,7 @@
           <a:p>
             <a:fld id="{5BCAD085-E8A6-8845-BD4E-CB4CCA059FC4}" type="datetimeFigureOut">
               <a:rPr lang="en-US" smtClean="0"/>
-              <a:t>5/26/18</a:t>
+              <a:t>1/27/13</a:t>
             </a:fld>
             <a:endParaRPr lang="en-US"/>
           </a:p>
@@ -657,7 +641,7 @@
           <a:p>
             <a:fld id="{5BCAD085-E8A6-8845-BD4E-CB4CCA059FC4}" type="datetimeFigureOut">
               <a:rPr lang="en-US" smtClean="0"/>
-              <a:t>5/26/18</a:t>
+              <a:t>1/27/13</a:t>
             </a:fld>
             <a:endParaRPr lang="en-US"/>
           </a:p>
@@ -827,7 +811,7 @@
           <a:p>
             <a:fld id="{5BCAD085-E8A6-8845-BD4E-CB4CCA059FC4}" type="datetimeFigureOut">
               <a:rPr lang="en-US" smtClean="0"/>
-              <a:t>5/26/18</a:t>
+              <a:t>1/27/13</a:t>
             </a:fld>
             <a:endParaRPr lang="en-US"/>
           </a:p>
@@ -1073,7 +1057,7 @@
           <a:p>
             <a:fld id="{5BCAD085-E8A6-8845-BD4E-CB4CCA059FC4}" type="datetimeFigureOut">
               <a:rPr lang="en-US" smtClean="0"/>
-              <a:t>5/26/18</a:t>
+              <a:t>1/27/13</a:t>
             </a:fld>
             <a:endParaRPr lang="en-US"/>
           </a:p>
@@ -1361,7 +1345,7 @@
           <a:p>
             <a:fld id="{5BCAD085-E8A6-8845-BD4E-CB4CCA059FC4}" type="datetimeFigureOut">
               <a:rPr lang="en-US" smtClean="0"/>
-              <a:t>5/26/18</a:t>
+              <a:t>1/27/13</a:t>
             </a:fld>
             <a:endParaRPr lang="en-US"/>
           </a:p>
@@ -1783,7 +1767,7 @@
           <a:p>
             <a:fld id="{5BCAD085-E8A6-8845-BD4E-CB4CCA059FC4}" type="datetimeFigureOut">
               <a:rPr lang="en-US" smtClean="0"/>
-              <a:t>5/26/18</a:t>
+              <a:t>1/27/13</a:t>
             </a:fld>
             <a:endParaRPr lang="en-US"/>
           </a:p>
@@ -1901,7 +1885,7 @@
           <a:p>
             <a:fld id="{5BCAD085-E8A6-8845-BD4E-CB4CCA059FC4}" type="datetimeFigureOut">
               <a:rPr lang="en-US" smtClean="0"/>
-              <a:t>5/26/18</a:t>
+              <a:t>1/27/13</a:t>
             </a:fld>
             <a:endParaRPr lang="en-US"/>
           </a:p>
@@ -1996,7 +1980,7 @@
           <a:p>
             <a:fld id="{5BCAD085-E8A6-8845-BD4E-CB4CCA059FC4}" type="datetimeFigureOut">
               <a:rPr lang="en-US" smtClean="0"/>
-              <a:t>5/26/18</a:t>
+              <a:t>1/27/13</a:t>
             </a:fld>
             <a:endParaRPr lang="en-US"/>
           </a:p>
@@ -2273,7 +2257,7 @@
           <a:p>
             <a:fld id="{5BCAD085-E8A6-8845-BD4E-CB4CCA059FC4}" type="datetimeFigureOut">
               <a:rPr lang="en-US" smtClean="0"/>
-              <a:t>5/26/18</a:t>
+              <a:t>1/27/13</a:t>
             </a:fld>
             <a:endParaRPr lang="en-US"/>
           </a:p>
@@ -2526,7 +2510,7 @@
           <a:p>
             <a:fld id="{5BCAD085-E8A6-8845-BD4E-CB4CCA059FC4}" type="datetimeFigureOut">
               <a:rPr lang="en-US" smtClean="0"/>
-              <a:t>5/26/18</a:t>
+              <a:t>1/27/13</a:t>
             </a:fld>
             <a:endParaRPr lang="en-US"/>
           </a:p>
@@ -2739,7 +2723,7 @@
           <a:p>
             <a:fld id="{5BCAD085-E8A6-8845-BD4E-CB4CCA059FC4}" type="datetimeFigureOut">
               <a:rPr lang="en-US" smtClean="0"/>
-              <a:t>5/26/18</a:t>
+              <a:t>1/27/13</a:t>
             </a:fld>
             <a:endParaRPr lang="en-US"/>
           </a:p>
@@ -3098,7 +3082,7 @@
 </file>
 
 <file path=ppt/slides/slide1.xml><?xml version="1.0" encoding="utf-8"?>
-<p:sld xmlns:a="http://schemas.openxmlformats.org/drawingml/2006/main" xmlns:r="http://schemas.openxmlformats.org/officeDocument/2006/relationships" xmlns:p="http://schemas.openxmlformats.org/presentationml/2006/main">
+<p:sld xmlns:a="http://schemas.openxmlformats.org/drawingml/2006/main" xmlns:p="http://schemas.openxmlformats.org/presentationml/2006/main" xmlns:r="http://schemas.openxmlformats.org/officeDocument/2006/relationships">
   <p:cSld>
     <p:spTree>
       <p:nvGrpSpPr>
@@ -3106,14 +3090,7 @@
         <p:cNvGrpSpPr/>
         <p:nvPr/>
       </p:nvGrpSpPr>
-      <p:grpSpPr>
-        <a:xfrm>
-          <a:off x="0" y="0"/>
-          <a:ext cx="0" cy="0"/>
-          <a:chOff x="0" y="0"/>
-          <a:chExt cx="0" cy="0"/>
-        </a:xfrm>
-      </p:grpSpPr>
+      <p:grpSpPr/>
       <p:sp>
         <p:nvSpPr>
           <p:cNvPr id="2" name="Title 1"/>
@@ -3132,7 +3109,7 @@
           <a:lstStyle/>
           <a:p>
             <a:pPr>
-              <a:defRPr sz="5500" b="1"/>
+              <a:defRPr b="1"/>
             </a:pPr>
             <a:r>
               <a:t>1.새로운 시작</a:t>
@@ -3154,9 +3131,7 @@
         <p:txBody>
           <a:bodyPr/>
           <a:lstStyle/>
-          <a:p>
-            <a:endParaRPr/>
-          </a:p>
+          <a:p/>
         </p:txBody>
       </p:sp>
     </p:spTree>
@@ -3168,7 +3143,7 @@
 </file>
 
 <file path=ppt/slides/slide2.xml><?xml version="1.0" encoding="utf-8"?>
-<p:sld xmlns:a="http://schemas.openxmlformats.org/drawingml/2006/main" xmlns:r="http://schemas.openxmlformats.org/officeDocument/2006/relationships" xmlns:p="http://schemas.openxmlformats.org/presentationml/2006/main">
+<p:sld xmlns:a="http://schemas.openxmlformats.org/drawingml/2006/main" xmlns:p="http://schemas.openxmlformats.org/presentationml/2006/main" xmlns:r="http://schemas.openxmlformats.org/officeDocument/2006/relationships">
   <p:cSld>
     <p:spTree>
       <p:nvGrpSpPr>
@@ -3176,14 +3151,7 @@
         <p:cNvGrpSpPr/>
         <p:nvPr/>
       </p:nvGrpSpPr>
-      <p:grpSpPr>
-        <a:xfrm>
-          <a:off x="0" y="0"/>
-          <a:ext cx="0" cy="0"/>
-          <a:chOff x="0" y="0"/>
-          <a:chExt cx="0" cy="0"/>
-        </a:xfrm>
-      </p:grpSpPr>
+      <p:grpSpPr/>
       <p:sp>
         <p:nvSpPr>
           <p:cNvPr id="2" name="Title 1"/>
@@ -3202,7 +3170,7 @@
           <a:lstStyle/>
           <a:p>
             <a:pPr>
-              <a:defRPr sz="5500" b="1"/>
+              <a:defRPr b="1"/>
             </a:pPr>
             <a:r>
               <a:t>1.1.새로운 시작의 첫번째</a:t>
@@ -3224,9 +3192,7 @@
         <p:txBody>
           <a:bodyPr/>
           <a:lstStyle/>
-          <a:p>
-            <a:endParaRPr/>
-          </a:p>
+          <a:p/>
         </p:txBody>
       </p:sp>
     </p:spTree>
@@ -3238,7 +3204,7 @@
 </file>
 
 <file path=ppt/slides/slide3.xml><?xml version="1.0" encoding="utf-8"?>
-<p:sld xmlns:a="http://schemas.openxmlformats.org/drawingml/2006/main" xmlns:r="http://schemas.openxmlformats.org/officeDocument/2006/relationships" xmlns:p="http://schemas.openxmlformats.org/presentationml/2006/main">
+<p:sld xmlns:a="http://schemas.openxmlformats.org/drawingml/2006/main" xmlns:p="http://schemas.openxmlformats.org/presentationml/2006/main" xmlns:r="http://schemas.openxmlformats.org/officeDocument/2006/relationships">
   <p:cSld>
     <p:spTree>
       <p:nvGrpSpPr>
@@ -3246,14 +3212,7 @@
         <p:cNvGrpSpPr/>
         <p:nvPr/>
       </p:nvGrpSpPr>
-      <p:grpSpPr>
-        <a:xfrm>
-          <a:off x="0" y="0"/>
-          <a:ext cx="0" cy="0"/>
-          <a:chOff x="0" y="0"/>
-          <a:chExt cx="0" cy="0"/>
-        </a:xfrm>
-      </p:grpSpPr>
+      <p:grpSpPr/>
       <p:sp>
         <p:nvSpPr>
           <p:cNvPr id="2" name="Title 1"/>
@@ -3272,7 +3231,7 @@
           <a:lstStyle/>
           <a:p>
             <a:pPr>
-              <a:defRPr sz="5500" b="1"/>
+              <a:defRPr b="1"/>
             </a:pPr>
             <a:r>
               <a:t>1.2.새로운 시작의 두번째</a:t>
@@ -3294,9 +3253,7 @@
         <p:txBody>
           <a:bodyPr/>
           <a:lstStyle/>
-          <a:p>
-            <a:endParaRPr/>
-          </a:p>
+          <a:p/>
         </p:txBody>
       </p:sp>
     </p:spTree>
@@ -3308,7 +3265,7 @@
 </file>
 
 <file path=ppt/slides/slide4.xml><?xml version="1.0" encoding="utf-8"?>
-<p:sld xmlns:a="http://schemas.openxmlformats.org/drawingml/2006/main" xmlns:r="http://schemas.openxmlformats.org/officeDocument/2006/relationships" xmlns:p="http://schemas.openxmlformats.org/presentationml/2006/main">
+<p:sld xmlns:a="http://schemas.openxmlformats.org/drawingml/2006/main" xmlns:p="http://schemas.openxmlformats.org/presentationml/2006/main" xmlns:r="http://schemas.openxmlformats.org/officeDocument/2006/relationships">
   <p:cSld>
     <p:spTree>
       <p:nvGrpSpPr>
@@ -3316,14 +3273,7 @@
         <p:cNvGrpSpPr/>
         <p:nvPr/>
       </p:nvGrpSpPr>
-      <p:grpSpPr>
-        <a:xfrm>
-          <a:off x="0" y="0"/>
-          <a:ext cx="0" cy="0"/>
-          <a:chOff x="0" y="0"/>
-          <a:chExt cx="0" cy="0"/>
-        </a:xfrm>
-      </p:grpSpPr>
+      <p:grpSpPr/>
       <p:sp>
         <p:nvSpPr>
           <p:cNvPr id="2" name="Title 1"/>
@@ -3337,12 +3287,12 @@
         <p:spPr/>
         <p:txBody>
           <a:bodyPr>
-            <a:normAutofit fontScale="90000"/>
+            <a:normAutofit/>
           </a:bodyPr>
           <a:lstStyle/>
           <a:p>
             <a:pPr>
-              <a:defRPr sz="5500" b="1"/>
+              <a:defRPr b="1"/>
             </a:pPr>
             <a:r>
               <a:t>1.2.1.파이써니랑 무엇인가?</a:t>
@@ -3364,9 +3314,7 @@
         <p:txBody>
           <a:bodyPr/>
           <a:lstStyle/>
-          <a:p>
-            <a:endParaRPr/>
-          </a:p>
+          <a:p/>
           <a:p>
             <a:pPr>
               <a:defRPr sz="2000"/>
